--- a/Later/JavaIO/JavaIO_1/Java IO.pptx
+++ b/Later/JavaIO/JavaIO_1/Java IO.pptx
@@ -194,7 +194,7 @@
           <a:p>
             <a:fld id="{62274EC6-3890-417B-9308-14EFBD00FA63}" type="datetimeFigureOut">
               <a:rPr lang="en-US" smtClean="0"/>
-              <a:t>6/9/2016</a:t>
+              <a:t>6/10/2016</a:t>
             </a:fld>
             <a:endParaRPr lang="en-US" dirty="0"/>
           </a:p>
@@ -911,7 +911,7 @@
             <a:fld id="{1D8BD707-D9CF-40AE-B4C6-C98DA3205C09}" type="datetimeFigureOut">
               <a:rPr lang="en-US" smtClean="0"/>
               <a:pPr/>
-              <a:t>6/9/2016</a:t>
+              <a:t>6/10/2016</a:t>
             </a:fld>
             <a:endParaRPr lang="en-US" dirty="0"/>
           </a:p>
@@ -1083,7 +1083,7 @@
             <a:fld id="{1D8BD707-D9CF-40AE-B4C6-C98DA3205C09}" type="datetimeFigureOut">
               <a:rPr lang="en-US" smtClean="0"/>
               <a:pPr/>
-              <a:t>6/9/2016</a:t>
+              <a:t>6/10/2016</a:t>
             </a:fld>
             <a:endParaRPr lang="en-US" dirty="0"/>
           </a:p>
@@ -1265,7 +1265,7 @@
             <a:fld id="{1D8BD707-D9CF-40AE-B4C6-C98DA3205C09}" type="datetimeFigureOut">
               <a:rPr lang="en-US" smtClean="0"/>
               <a:pPr/>
-              <a:t>6/9/2016</a:t>
+              <a:t>6/10/2016</a:t>
             </a:fld>
             <a:endParaRPr lang="en-US" dirty="0"/>
           </a:p>
@@ -1437,7 +1437,7 @@
             <a:fld id="{1D8BD707-D9CF-40AE-B4C6-C98DA3205C09}" type="datetimeFigureOut">
               <a:rPr lang="en-US" smtClean="0"/>
               <a:pPr/>
-              <a:t>6/9/2016</a:t>
+              <a:t>6/10/2016</a:t>
             </a:fld>
             <a:endParaRPr lang="en-US" dirty="0"/>
           </a:p>
@@ -1685,7 +1685,7 @@
             <a:fld id="{1D8BD707-D9CF-40AE-B4C6-C98DA3205C09}" type="datetimeFigureOut">
               <a:rPr lang="en-US" smtClean="0"/>
               <a:pPr/>
-              <a:t>6/9/2016</a:t>
+              <a:t>6/10/2016</a:t>
             </a:fld>
             <a:endParaRPr lang="en-US" dirty="0"/>
           </a:p>
@@ -1975,7 +1975,7 @@
             <a:fld id="{1D8BD707-D9CF-40AE-B4C6-C98DA3205C09}" type="datetimeFigureOut">
               <a:rPr lang="en-US" smtClean="0"/>
               <a:pPr/>
-              <a:t>6/9/2016</a:t>
+              <a:t>6/10/2016</a:t>
             </a:fld>
             <a:endParaRPr lang="en-US" dirty="0"/>
           </a:p>
@@ -2404,7 +2404,7 @@
             <a:fld id="{1D8BD707-D9CF-40AE-B4C6-C98DA3205C09}" type="datetimeFigureOut">
               <a:rPr lang="en-US" smtClean="0"/>
               <a:pPr/>
-              <a:t>6/9/2016</a:t>
+              <a:t>6/10/2016</a:t>
             </a:fld>
             <a:endParaRPr lang="en-US" dirty="0"/>
           </a:p>
@@ -2524,7 +2524,7 @@
             <a:fld id="{1D8BD707-D9CF-40AE-B4C6-C98DA3205C09}" type="datetimeFigureOut">
               <a:rPr lang="en-US" smtClean="0"/>
               <a:pPr/>
-              <a:t>6/9/2016</a:t>
+              <a:t>6/10/2016</a:t>
             </a:fld>
             <a:endParaRPr lang="en-US" dirty="0"/>
           </a:p>
@@ -2621,7 +2621,7 @@
             <a:fld id="{1D8BD707-D9CF-40AE-B4C6-C98DA3205C09}" type="datetimeFigureOut">
               <a:rPr lang="en-US" smtClean="0"/>
               <a:pPr/>
-              <a:t>6/9/2016</a:t>
+              <a:t>6/10/2016</a:t>
             </a:fld>
             <a:endParaRPr lang="en-US" dirty="0"/>
           </a:p>
@@ -2900,7 +2900,7 @@
             <a:fld id="{1D8BD707-D9CF-40AE-B4C6-C98DA3205C09}" type="datetimeFigureOut">
               <a:rPr lang="en-US" smtClean="0"/>
               <a:pPr/>
-              <a:t>6/9/2016</a:t>
+              <a:t>6/10/2016</a:t>
             </a:fld>
             <a:endParaRPr lang="en-US" dirty="0"/>
           </a:p>
@@ -3155,7 +3155,7 @@
             <a:fld id="{1D8BD707-D9CF-40AE-B4C6-C98DA3205C09}" type="datetimeFigureOut">
               <a:rPr lang="en-US" smtClean="0"/>
               <a:pPr/>
-              <a:t>6/9/2016</a:t>
+              <a:t>6/10/2016</a:t>
             </a:fld>
             <a:endParaRPr lang="en-US" dirty="0"/>
           </a:p>
@@ -3370,7 +3370,7 @@
             <a:fld id="{1D8BD707-D9CF-40AE-B4C6-C98DA3205C09}" type="datetimeFigureOut">
               <a:rPr lang="en-US" smtClean="0"/>
               <a:pPr/>
-              <a:t>6/9/2016</a:t>
+              <a:t>6/10/2016</a:t>
             </a:fld>
             <a:endParaRPr lang="en-US" dirty="0"/>
           </a:p>
@@ -3799,7 +3799,7 @@
         <p:spPr>
           <a:xfrm>
             <a:off x="266700" y="914400"/>
-            <a:ext cx="8610600" cy="3020198"/>
+            <a:ext cx="8610600" cy="3581400"/>
           </a:xfrm>
           <a:prstGeom prst="rect">
             <a:avLst/>
@@ -4054,7 +4054,40 @@
             </a:r>
             <a:r>
               <a:rPr lang="en-US" sz="1200" dirty="0"/>
-              <a:t> of water that continues to flow.</a:t>
+              <a:t> of water that continues to flow</a:t>
+            </a:r>
+            <a:r>
+              <a:rPr lang="en-US" sz="1200" dirty="0" smtClean="0"/>
+              <a:t>.</a:t>
+            </a:r>
+          </a:p>
+          <a:p>
+            <a:pPr marL="171450" indent="-171450">
+              <a:buFont typeface="Wingdings" pitchFamily="2" charset="2"/>
+              <a:buChar char="ü"/>
+            </a:pPr>
+            <a:endParaRPr lang="en-US" sz="1200" dirty="0"/>
+          </a:p>
+          <a:p>
+            <a:pPr marL="171450" indent="-171450">
+              <a:buFont typeface="Wingdings" pitchFamily="2" charset="2"/>
+              <a:buChar char="ü"/>
+            </a:pPr>
+            <a:r>
+              <a:rPr lang="en-US" sz="1200" dirty="0">
+                <a:solidFill>
+                  <a:srgbClr val="C00000"/>
+                </a:solidFill>
+              </a:rPr>
+              <a:t>Streams</a:t>
+            </a:r>
+            <a:r>
+              <a:rPr lang="en-US" sz="1200" dirty="0"/>
+              <a:t> support many different kinds of data, including simple bytes, primitive data types, localized characters, and objects</a:t>
+            </a:r>
+            <a:r>
+              <a:rPr lang="en-US" sz="1200" dirty="0" smtClean="0"/>
+              <a:t>.</a:t>
             </a:r>
             <a:endParaRPr lang="en-US" sz="1200" dirty="0"/>
           </a:p>
@@ -4200,15 +4233,7 @@
             <a:pPr lvl="1"/>
             <a:r>
               <a:rPr lang="en-US" sz="1200" b="1" dirty="0"/>
-              <a:t>1) </a:t>
-            </a:r>
-            <a:r>
-              <a:rPr lang="en-US" sz="1200" b="1" dirty="0"/>
-              <a:t>System.out</a:t>
-            </a:r>
-            <a:r>
-              <a:rPr lang="en-US" sz="1200" b="1" dirty="0"/>
-              <a:t>: </a:t>
+              <a:t>1) System.out: </a:t>
             </a:r>
             <a:r>
               <a:rPr lang="en-US" sz="1200" dirty="0"/>
@@ -4230,15 +4255,7 @@
             <a:pPr lvl="1"/>
             <a:r>
               <a:rPr lang="en-US" sz="1200" b="1" dirty="0"/>
-              <a:t>3) </a:t>
-            </a:r>
-            <a:r>
-              <a:rPr lang="en-US" sz="1200" b="1" dirty="0"/>
-              <a:t>System.err</a:t>
-            </a:r>
-            <a:r>
-              <a:rPr lang="en-US" sz="1200" b="1" dirty="0"/>
-              <a:t>: </a:t>
+              <a:t>3) System.err: </a:t>
             </a:r>
             <a:r>
               <a:rPr lang="en-US" sz="1200" dirty="0"/>
